--- a/doc/slides/day1/session4/introBwaSamtools.pptx
+++ b/doc/slides/day1/session4/introBwaSamtools.pptx
@@ -1,6 +1,6 @@
 
 <file path=ppt/presentation.xml><?xml version="1.0" encoding="utf-8"?>
-<p:presentation xmlns:a="http://schemas.openxmlformats.org/drawingml/2006/main" xmlns:r="http://schemas.openxmlformats.org/officeDocument/2006/relationships" xmlns:mc="http://schemas.openxmlformats.org/markup-compatibility/2006" xmlns:mv="urn:schemas-microsoft-com:mac:vml" xmlns:p="http://schemas.openxmlformats.org/presentationml/2006/main" mc:Ignorable="mv" mc:PreserveAttributes="mv:*" saveSubsetFonts="1" autoCompressPictures="0">
+<p:presentation xmlns:a="http://schemas.openxmlformats.org/drawingml/2006/main" xmlns:r="http://schemas.openxmlformats.org/officeDocument/2006/relationships" xmlns:p="http://schemas.openxmlformats.org/presentationml/2006/main" saveSubsetFonts="1" autoCompressPictures="0">
   <p:sldMasterIdLst>
     <p:sldMasterId id="2147483648" r:id="rId1"/>
   </p:sldMasterIdLst>
@@ -124,7 +124,7 @@
 </file>
 
 <file path=ppt/notesMasters/notesMaster1.xml><?xml version="1.0" encoding="utf-8"?>
-<p:notesMaster xmlns:a="http://schemas.openxmlformats.org/drawingml/2006/main" xmlns:r="http://schemas.openxmlformats.org/officeDocument/2006/relationships" xmlns:mc="http://schemas.openxmlformats.org/markup-compatibility/2006" xmlns:mv="urn:schemas-microsoft-com:mac:vml" xmlns:p="http://schemas.openxmlformats.org/presentationml/2006/main" mc:Ignorable="mv" mc:PreserveAttributes="mv:*">
+<p:notesMaster xmlns:a="http://schemas.openxmlformats.org/drawingml/2006/main" xmlns:r="http://schemas.openxmlformats.org/officeDocument/2006/relationships" xmlns:p="http://schemas.openxmlformats.org/presentationml/2006/main">
   <p:cSld>
     <p:bg>
       <p:bgRef idx="1001">
@@ -206,7 +206,7 @@
             <a:fld id="{5AB5880A-C342-1143-831E-CB91D5241AEE}" type="datetimeFigureOut">
               <a:rPr lang="en-US" smtClean="0"/>
               <a:pPr/>
-              <a:t>9/8/12</a:t>
+              <a:t>10/18/13</a:t>
             </a:fld>
             <a:endParaRPr lang="en-US"/>
           </a:p>
@@ -375,6 +375,11 @@
         </p:txBody>
       </p:sp>
     </p:spTree>
+    <p:extLst>
+      <p:ext uri="{BB962C8B-B14F-4D97-AF65-F5344CB8AC3E}">
+        <p14:creationId xmlns:p14="http://schemas.microsoft.com/office/powerpoint/2010/main" val="1765468360"/>
+      </p:ext>
+    </p:extLst>
   </p:cSld>
   <p:clrMap bg1="lt1" tx1="dk1" bg2="lt2" tx2="dk2" accent1="accent1" accent2="accent2" accent3="accent3" accent4="accent4" accent5="accent5" accent6="accent6" hlink="hlink" folHlink="folHlink"/>
   <p:notesStyle>
@@ -473,7 +478,7 @@
 </file>
 
 <file path=ppt/notesSlides/notesSlide1.xml><?xml version="1.0" encoding="utf-8"?>
-<p:notes xmlns:a="http://schemas.openxmlformats.org/drawingml/2006/main" xmlns:r="http://schemas.openxmlformats.org/officeDocument/2006/relationships" xmlns:mc="http://schemas.openxmlformats.org/markup-compatibility/2006" xmlns:mv="urn:schemas-microsoft-com:mac:vml" xmlns:p="http://schemas.openxmlformats.org/presentationml/2006/main" mc:Ignorable="mv" mc:PreserveAttributes="mv:*">
+<p:notes xmlns:a="http://schemas.openxmlformats.org/drawingml/2006/main" xmlns:r="http://schemas.openxmlformats.org/officeDocument/2006/relationships" xmlns:p="http://schemas.openxmlformats.org/presentationml/2006/main">
   <p:cSld>
     <p:spTree>
       <p:nvGrpSpPr>
@@ -567,7 +572,7 @@
 </file>
 
 <file path=ppt/slideLayouts/slideLayout1.xml><?xml version="1.0" encoding="utf-8"?>
-<p:sldLayout xmlns:a="http://schemas.openxmlformats.org/drawingml/2006/main" xmlns:r="http://schemas.openxmlformats.org/officeDocument/2006/relationships" xmlns:mc="http://schemas.openxmlformats.org/markup-compatibility/2006" xmlns:mv="urn:schemas-microsoft-com:mac:vml" xmlns:p="http://schemas.openxmlformats.org/presentationml/2006/main" mc:Ignorable="mv" mc:PreserveAttributes="mv:*" type="title" preserve="1">
+<p:sldLayout xmlns:a="http://schemas.openxmlformats.org/drawingml/2006/main" xmlns:r="http://schemas.openxmlformats.org/officeDocument/2006/relationships" xmlns:p="http://schemas.openxmlformats.org/presentationml/2006/main" type="title" preserve="1">
   <p:cSld name="Title Slide">
     <p:spTree>
       <p:nvGrpSpPr>
@@ -748,7 +753,7 @@
             <a:fld id="{31F01D4E-5470-D54A-988D-EBB274F3F401}" type="datetimeFigureOut">
               <a:rPr lang="en-US" smtClean="0"/>
               <a:pPr/>
-              <a:t>9/8/12</a:t>
+              <a:t>10/18/13</a:t>
             </a:fld>
             <a:endParaRPr lang="en-US"/>
           </a:p>
@@ -806,7 +811,7 @@
 </file>
 
 <file path=ppt/slideLayouts/slideLayout10.xml><?xml version="1.0" encoding="utf-8"?>
-<p:sldLayout xmlns:a="http://schemas.openxmlformats.org/drawingml/2006/main" xmlns:r="http://schemas.openxmlformats.org/officeDocument/2006/relationships" xmlns:mc="http://schemas.openxmlformats.org/markup-compatibility/2006" xmlns:mv="urn:schemas-microsoft-com:mac:vml" xmlns:p="http://schemas.openxmlformats.org/presentationml/2006/main" mc:Ignorable="mv" mc:PreserveAttributes="mv:*" type="vertTx" preserve="1">
+<p:sldLayout xmlns:a="http://schemas.openxmlformats.org/drawingml/2006/main" xmlns:r="http://schemas.openxmlformats.org/officeDocument/2006/relationships" xmlns:p="http://schemas.openxmlformats.org/presentationml/2006/main" type="vertTx" preserve="1">
   <p:cSld name="Title and Vertical Text">
     <p:spTree>
       <p:nvGrpSpPr>
@@ -915,7 +920,7 @@
             <a:fld id="{31F01D4E-5470-D54A-988D-EBB274F3F401}" type="datetimeFigureOut">
               <a:rPr lang="en-US" smtClean="0"/>
               <a:pPr/>
-              <a:t>9/8/12</a:t>
+              <a:t>10/18/13</a:t>
             </a:fld>
             <a:endParaRPr lang="en-US"/>
           </a:p>
@@ -973,7 +978,7 @@
 </file>
 
 <file path=ppt/slideLayouts/slideLayout11.xml><?xml version="1.0" encoding="utf-8"?>
-<p:sldLayout xmlns:a="http://schemas.openxmlformats.org/drawingml/2006/main" xmlns:r="http://schemas.openxmlformats.org/officeDocument/2006/relationships" xmlns:mc="http://schemas.openxmlformats.org/markup-compatibility/2006" xmlns:mv="urn:schemas-microsoft-com:mac:vml" xmlns:p="http://schemas.openxmlformats.org/presentationml/2006/main" mc:Ignorable="mv" mc:PreserveAttributes="mv:*" type="vertTitleAndTx" preserve="1">
+<p:sldLayout xmlns:a="http://schemas.openxmlformats.org/drawingml/2006/main" xmlns:r="http://schemas.openxmlformats.org/officeDocument/2006/relationships" xmlns:p="http://schemas.openxmlformats.org/presentationml/2006/main" type="vertTitleAndTx" preserve="1">
   <p:cSld name="Vertical Title and Text">
     <p:spTree>
       <p:nvGrpSpPr>
@@ -1092,7 +1097,7 @@
             <a:fld id="{31F01D4E-5470-D54A-988D-EBB274F3F401}" type="datetimeFigureOut">
               <a:rPr lang="en-US" smtClean="0"/>
               <a:pPr/>
-              <a:t>9/8/12</a:t>
+              <a:t>10/18/13</a:t>
             </a:fld>
             <a:endParaRPr lang="en-US"/>
           </a:p>
@@ -1150,7 +1155,7 @@
 </file>
 
 <file path=ppt/slideLayouts/slideLayout2.xml><?xml version="1.0" encoding="utf-8"?>
-<p:sldLayout xmlns:a="http://schemas.openxmlformats.org/drawingml/2006/main" xmlns:r="http://schemas.openxmlformats.org/officeDocument/2006/relationships" xmlns:mc="http://schemas.openxmlformats.org/markup-compatibility/2006" xmlns:mv="urn:schemas-microsoft-com:mac:vml" xmlns:p="http://schemas.openxmlformats.org/presentationml/2006/main" mc:Ignorable="mv" mc:PreserveAttributes="mv:*" type="obj" preserve="1">
+<p:sldLayout xmlns:a="http://schemas.openxmlformats.org/drawingml/2006/main" xmlns:r="http://schemas.openxmlformats.org/officeDocument/2006/relationships" xmlns:p="http://schemas.openxmlformats.org/presentationml/2006/main" type="obj" preserve="1">
   <p:cSld name="Title and Content">
     <p:spTree>
       <p:nvGrpSpPr>
@@ -1259,7 +1264,7 @@
             <a:fld id="{31F01D4E-5470-D54A-988D-EBB274F3F401}" type="datetimeFigureOut">
               <a:rPr lang="en-US" smtClean="0"/>
               <a:pPr/>
-              <a:t>9/8/12</a:t>
+              <a:t>10/18/13</a:t>
             </a:fld>
             <a:endParaRPr lang="en-US"/>
           </a:p>
@@ -1317,7 +1322,7 @@
 </file>
 
 <file path=ppt/slideLayouts/slideLayout3.xml><?xml version="1.0" encoding="utf-8"?>
-<p:sldLayout xmlns:a="http://schemas.openxmlformats.org/drawingml/2006/main" xmlns:r="http://schemas.openxmlformats.org/officeDocument/2006/relationships" xmlns:mc="http://schemas.openxmlformats.org/markup-compatibility/2006" xmlns:mv="urn:schemas-microsoft-com:mac:vml" xmlns:p="http://schemas.openxmlformats.org/presentationml/2006/main" mc:Ignorable="mv" mc:PreserveAttributes="mv:*" type="secHead" preserve="1">
+<p:sldLayout xmlns:a="http://schemas.openxmlformats.org/drawingml/2006/main" xmlns:r="http://schemas.openxmlformats.org/officeDocument/2006/relationships" xmlns:p="http://schemas.openxmlformats.org/presentationml/2006/main" type="secHead" preserve="1">
   <p:cSld name="Section Header">
     <p:spTree>
       <p:nvGrpSpPr>
@@ -1502,7 +1507,7 @@
             <a:fld id="{31F01D4E-5470-D54A-988D-EBB274F3F401}" type="datetimeFigureOut">
               <a:rPr lang="en-US" smtClean="0"/>
               <a:pPr/>
-              <a:t>9/8/12</a:t>
+              <a:t>10/18/13</a:t>
             </a:fld>
             <a:endParaRPr lang="en-US"/>
           </a:p>
@@ -1560,7 +1565,7 @@
 </file>
 
 <file path=ppt/slideLayouts/slideLayout4.xml><?xml version="1.0" encoding="utf-8"?>
-<p:sldLayout xmlns:a="http://schemas.openxmlformats.org/drawingml/2006/main" xmlns:r="http://schemas.openxmlformats.org/officeDocument/2006/relationships" xmlns:mc="http://schemas.openxmlformats.org/markup-compatibility/2006" xmlns:mv="urn:schemas-microsoft-com:mac:vml" xmlns:p="http://schemas.openxmlformats.org/presentationml/2006/main" mc:Ignorable="mv" mc:PreserveAttributes="mv:*" type="twoObj" preserve="1">
+<p:sldLayout xmlns:a="http://schemas.openxmlformats.org/drawingml/2006/main" xmlns:r="http://schemas.openxmlformats.org/officeDocument/2006/relationships" xmlns:p="http://schemas.openxmlformats.org/presentationml/2006/main" type="twoObj" preserve="1">
   <p:cSld name="Two Content">
     <p:spTree>
       <p:nvGrpSpPr>
@@ -1787,7 +1792,7 @@
             <a:fld id="{31F01D4E-5470-D54A-988D-EBB274F3F401}" type="datetimeFigureOut">
               <a:rPr lang="en-US" smtClean="0"/>
               <a:pPr/>
-              <a:t>9/8/12</a:t>
+              <a:t>10/18/13</a:t>
             </a:fld>
             <a:endParaRPr lang="en-US"/>
           </a:p>
@@ -1845,7 +1850,7 @@
 </file>
 
 <file path=ppt/slideLayouts/slideLayout5.xml><?xml version="1.0" encoding="utf-8"?>
-<p:sldLayout xmlns:a="http://schemas.openxmlformats.org/drawingml/2006/main" xmlns:r="http://schemas.openxmlformats.org/officeDocument/2006/relationships" xmlns:mc="http://schemas.openxmlformats.org/markup-compatibility/2006" xmlns:mv="urn:schemas-microsoft-com:mac:vml" xmlns:p="http://schemas.openxmlformats.org/presentationml/2006/main" mc:Ignorable="mv" mc:PreserveAttributes="mv:*" type="twoTxTwoObj" preserve="1">
+<p:sldLayout xmlns:a="http://schemas.openxmlformats.org/drawingml/2006/main" xmlns:r="http://schemas.openxmlformats.org/officeDocument/2006/relationships" xmlns:p="http://schemas.openxmlformats.org/presentationml/2006/main" type="twoTxTwoObj" preserve="1">
   <p:cSld name="Comparison">
     <p:spTree>
       <p:nvGrpSpPr>
@@ -2206,7 +2211,7 @@
             <a:fld id="{31F01D4E-5470-D54A-988D-EBB274F3F401}" type="datetimeFigureOut">
               <a:rPr lang="en-US" smtClean="0"/>
               <a:pPr/>
-              <a:t>9/8/12</a:t>
+              <a:t>10/18/13</a:t>
             </a:fld>
             <a:endParaRPr lang="en-US"/>
           </a:p>
@@ -2264,7 +2269,7 @@
 </file>
 
 <file path=ppt/slideLayouts/slideLayout6.xml><?xml version="1.0" encoding="utf-8"?>
-<p:sldLayout xmlns:a="http://schemas.openxmlformats.org/drawingml/2006/main" xmlns:r="http://schemas.openxmlformats.org/officeDocument/2006/relationships" xmlns:mc="http://schemas.openxmlformats.org/markup-compatibility/2006" xmlns:mv="urn:schemas-microsoft-com:mac:vml" xmlns:p="http://schemas.openxmlformats.org/presentationml/2006/main" mc:Ignorable="mv" mc:PreserveAttributes="mv:*" type="titleOnly" preserve="1">
+<p:sldLayout xmlns:a="http://schemas.openxmlformats.org/drawingml/2006/main" xmlns:r="http://schemas.openxmlformats.org/officeDocument/2006/relationships" xmlns:p="http://schemas.openxmlformats.org/presentationml/2006/main" type="titleOnly" preserve="1">
   <p:cSld name="Title Only">
     <p:spTree>
       <p:nvGrpSpPr>
@@ -2321,7 +2326,7 @@
             <a:fld id="{31F01D4E-5470-D54A-988D-EBB274F3F401}" type="datetimeFigureOut">
               <a:rPr lang="en-US" smtClean="0"/>
               <a:pPr/>
-              <a:t>9/8/12</a:t>
+              <a:t>10/18/13</a:t>
             </a:fld>
             <a:endParaRPr lang="en-US"/>
           </a:p>
@@ -2379,7 +2384,7 @@
 </file>
 
 <file path=ppt/slideLayouts/slideLayout7.xml><?xml version="1.0" encoding="utf-8"?>
-<p:sldLayout xmlns:a="http://schemas.openxmlformats.org/drawingml/2006/main" xmlns:r="http://schemas.openxmlformats.org/officeDocument/2006/relationships" xmlns:mc="http://schemas.openxmlformats.org/markup-compatibility/2006" xmlns:mv="urn:schemas-microsoft-com:mac:vml" xmlns:p="http://schemas.openxmlformats.org/presentationml/2006/main" mc:Ignorable="mv" mc:PreserveAttributes="mv:*" type="blank" preserve="1">
+<p:sldLayout xmlns:a="http://schemas.openxmlformats.org/drawingml/2006/main" xmlns:r="http://schemas.openxmlformats.org/officeDocument/2006/relationships" xmlns:p="http://schemas.openxmlformats.org/presentationml/2006/main" type="blank" preserve="1">
   <p:cSld name="Blank">
     <p:spTree>
       <p:nvGrpSpPr>
@@ -2413,7 +2418,7 @@
             <a:fld id="{31F01D4E-5470-D54A-988D-EBB274F3F401}" type="datetimeFigureOut">
               <a:rPr lang="en-US" smtClean="0"/>
               <a:pPr/>
-              <a:t>9/8/12</a:t>
+              <a:t>10/18/13</a:t>
             </a:fld>
             <a:endParaRPr lang="en-US"/>
           </a:p>
@@ -2471,7 +2476,7 @@
 </file>
 
 <file path=ppt/slideLayouts/slideLayout8.xml><?xml version="1.0" encoding="utf-8"?>
-<p:sldLayout xmlns:a="http://schemas.openxmlformats.org/drawingml/2006/main" xmlns:r="http://schemas.openxmlformats.org/officeDocument/2006/relationships" xmlns:mc="http://schemas.openxmlformats.org/markup-compatibility/2006" xmlns:mv="urn:schemas-microsoft-com:mac:vml" xmlns:p="http://schemas.openxmlformats.org/presentationml/2006/main" mc:Ignorable="mv" mc:PreserveAttributes="mv:*" type="objTx" preserve="1">
+<p:sldLayout xmlns:a="http://schemas.openxmlformats.org/drawingml/2006/main" xmlns:r="http://schemas.openxmlformats.org/officeDocument/2006/relationships" xmlns:p="http://schemas.openxmlformats.org/presentationml/2006/main" type="objTx" preserve="1">
   <p:cSld name="Content with Caption">
     <p:spTree>
       <p:nvGrpSpPr>
@@ -2687,7 +2692,7 @@
             <a:fld id="{31F01D4E-5470-D54A-988D-EBB274F3F401}" type="datetimeFigureOut">
               <a:rPr lang="en-US" smtClean="0"/>
               <a:pPr/>
-              <a:t>9/8/12</a:t>
+              <a:t>10/18/13</a:t>
             </a:fld>
             <a:endParaRPr lang="en-US"/>
           </a:p>
@@ -2745,7 +2750,7 @@
 </file>
 
 <file path=ppt/slideLayouts/slideLayout9.xml><?xml version="1.0" encoding="utf-8"?>
-<p:sldLayout xmlns:a="http://schemas.openxmlformats.org/drawingml/2006/main" xmlns:r="http://schemas.openxmlformats.org/officeDocument/2006/relationships" xmlns:mc="http://schemas.openxmlformats.org/markup-compatibility/2006" xmlns:mv="urn:schemas-microsoft-com:mac:vml" xmlns:p="http://schemas.openxmlformats.org/presentationml/2006/main" mc:Ignorable="mv" mc:PreserveAttributes="mv:*" type="picTx" preserve="1">
+<p:sldLayout xmlns:a="http://schemas.openxmlformats.org/drawingml/2006/main" xmlns:r="http://schemas.openxmlformats.org/officeDocument/2006/relationships" xmlns:p="http://schemas.openxmlformats.org/presentationml/2006/main" type="picTx" preserve="1">
   <p:cSld name="Picture with Caption">
     <p:spTree>
       <p:nvGrpSpPr>
@@ -2937,7 +2942,7 @@
             <a:fld id="{31F01D4E-5470-D54A-988D-EBB274F3F401}" type="datetimeFigureOut">
               <a:rPr lang="en-US" smtClean="0"/>
               <a:pPr/>
-              <a:t>9/8/12</a:t>
+              <a:t>10/18/13</a:t>
             </a:fld>
             <a:endParaRPr lang="en-US"/>
           </a:p>
@@ -2995,7 +3000,7 @@
 </file>
 
 <file path=ppt/slideMasters/slideMaster1.xml><?xml version="1.0" encoding="utf-8"?>
-<p:sldMaster xmlns:a="http://schemas.openxmlformats.org/drawingml/2006/main" xmlns:r="http://schemas.openxmlformats.org/officeDocument/2006/relationships" xmlns:mc="http://schemas.openxmlformats.org/markup-compatibility/2006" xmlns:mv="urn:schemas-microsoft-com:mac:vml" xmlns:p="http://schemas.openxmlformats.org/presentationml/2006/main" mc:Ignorable="mv" mc:PreserveAttributes="mv:*">
+<p:sldMaster xmlns:a="http://schemas.openxmlformats.org/drawingml/2006/main" xmlns:r="http://schemas.openxmlformats.org/officeDocument/2006/relationships" xmlns:p="http://schemas.openxmlformats.org/presentationml/2006/main">
   <p:cSld>
     <p:bg>
       <p:bgRef idx="1001">
@@ -3147,7 +3152,7 @@
             <a:fld id="{31F01D4E-5470-D54A-988D-EBB274F3F401}" type="datetimeFigureOut">
               <a:rPr lang="en-US" smtClean="0"/>
               <a:pPr/>
-              <a:t>9/8/12</a:t>
+              <a:t>10/18/13</a:t>
             </a:fld>
             <a:endParaRPr lang="en-US"/>
           </a:p>
@@ -3502,7 +3507,7 @@
 </file>
 
 <file path=ppt/slides/slide1.xml><?xml version="1.0" encoding="utf-8"?>
-<p:sld xmlns:a="http://schemas.openxmlformats.org/drawingml/2006/main" xmlns:r="http://schemas.openxmlformats.org/officeDocument/2006/relationships" xmlns:mc="http://schemas.openxmlformats.org/markup-compatibility/2006" xmlns:mv="urn:schemas-microsoft-com:mac:vml" xmlns:p="http://schemas.openxmlformats.org/presentationml/2006/main" mc:Ignorable="mv" mc:PreserveAttributes="mv:*">
+<p:sld xmlns:a="http://schemas.openxmlformats.org/drawingml/2006/main" xmlns:r="http://schemas.openxmlformats.org/officeDocument/2006/relationships" xmlns:p="http://schemas.openxmlformats.org/presentationml/2006/main">
   <p:cSld>
     <p:spTree>
       <p:nvGrpSpPr>
@@ -3545,37 +3550,6 @@
           </a:p>
         </p:txBody>
       </p:sp>
-      <p:sp>
-        <p:nvSpPr>
-          <p:cNvPr id="3" name="Subtitle 2"/>
-          <p:cNvSpPr>
-            <a:spLocks noGrp="1"/>
-          </p:cNvSpPr>
-          <p:nvPr>
-            <p:ph type="subTitle" idx="1"/>
-          </p:nvPr>
-        </p:nvSpPr>
-        <p:spPr/>
-        <p:txBody>
-          <a:bodyPr/>
-          <a:lstStyle/>
-          <a:p>
-            <a:r>
-              <a:rPr lang="en-US" dirty="0" smtClean="0"/>
-              <a:t>12 September 2012, 9.30</a:t>
-            </a:r>
-            <a:r>
-              <a:rPr lang="en-US" smtClean="0"/>
-              <a:t>-</a:t>
-            </a:r>
-            <a:r>
-              <a:rPr lang="en-US" smtClean="0"/>
-              <a:t>10.00</a:t>
-            </a:r>
-            <a:endParaRPr lang="en-US" dirty="0"/>
-          </a:p>
-        </p:txBody>
-      </p:sp>
     </p:spTree>
   </p:cSld>
   <p:clrMapOvr>
@@ -3585,7 +3559,7 @@
 </file>
 
 <file path=ppt/slides/slide10.xml><?xml version="1.0" encoding="utf-8"?>
-<p:sld xmlns:a="http://schemas.openxmlformats.org/drawingml/2006/main" xmlns:r="http://schemas.openxmlformats.org/officeDocument/2006/relationships" xmlns:mc="http://schemas.openxmlformats.org/markup-compatibility/2006" xmlns:mv="urn:schemas-microsoft-com:mac:vml" xmlns:p="http://schemas.openxmlformats.org/presentationml/2006/main" mc:Ignorable="mv" mc:PreserveAttributes="mv:*">
+<p:sld xmlns:a="http://schemas.openxmlformats.org/drawingml/2006/main" xmlns:r="http://schemas.openxmlformats.org/officeDocument/2006/relationships" xmlns:p="http://schemas.openxmlformats.org/presentationml/2006/main">
   <p:cSld>
     <p:spTree>
       <p:nvGrpSpPr>
@@ -3690,7 +3664,7 @@
 </file>
 
 <file path=ppt/slides/slide11.xml><?xml version="1.0" encoding="utf-8"?>
-<p:sld xmlns:a="http://schemas.openxmlformats.org/drawingml/2006/main" xmlns:r="http://schemas.openxmlformats.org/officeDocument/2006/relationships" xmlns:mc="http://schemas.openxmlformats.org/markup-compatibility/2006" xmlns:mv="urn:schemas-microsoft-com:mac:vml" xmlns:p="http://schemas.openxmlformats.org/presentationml/2006/main" mc:Ignorable="mv" mc:PreserveAttributes="mv:*">
+<p:sld xmlns:a="http://schemas.openxmlformats.org/drawingml/2006/main" xmlns:r="http://schemas.openxmlformats.org/officeDocument/2006/relationships" xmlns:p="http://schemas.openxmlformats.org/presentationml/2006/main">
   <p:cSld>
     <p:spTree>
       <p:nvGrpSpPr>
@@ -3918,7 +3892,7 @@
 </file>
 
 <file path=ppt/slides/slide12.xml><?xml version="1.0" encoding="utf-8"?>
-<p:sld xmlns:a="http://schemas.openxmlformats.org/drawingml/2006/main" xmlns:r="http://schemas.openxmlformats.org/officeDocument/2006/relationships" xmlns:mc="http://schemas.openxmlformats.org/markup-compatibility/2006" xmlns:mv="urn:schemas-microsoft-com:mac:vml" xmlns:p="http://schemas.openxmlformats.org/presentationml/2006/main" mc:Ignorable="mv" mc:PreserveAttributes="mv:*">
+<p:sld xmlns:a="http://schemas.openxmlformats.org/drawingml/2006/main" xmlns:r="http://schemas.openxmlformats.org/officeDocument/2006/relationships" xmlns:p="http://schemas.openxmlformats.org/presentationml/2006/main">
   <p:cSld>
     <p:spTree>
       <p:nvGrpSpPr>
@@ -4146,7 +4120,7 @@
 </file>
 
 <file path=ppt/slides/slide13.xml><?xml version="1.0" encoding="utf-8"?>
-<p:sld xmlns:a="http://schemas.openxmlformats.org/drawingml/2006/main" xmlns:r="http://schemas.openxmlformats.org/officeDocument/2006/relationships" xmlns:mc="http://schemas.openxmlformats.org/markup-compatibility/2006" xmlns:mv="urn:schemas-microsoft-com:mac:vml" xmlns:p="http://schemas.openxmlformats.org/presentationml/2006/main" mc:Ignorable="mv" mc:PreserveAttributes="mv:*">
+<p:sld xmlns:a="http://schemas.openxmlformats.org/drawingml/2006/main" xmlns:r="http://schemas.openxmlformats.org/officeDocument/2006/relationships" xmlns:p="http://schemas.openxmlformats.org/presentationml/2006/main">
   <p:cSld>
     <p:spTree>
       <p:nvGrpSpPr>
@@ -4547,7 +4521,7 @@
 </file>
 
 <file path=ppt/slides/slide14.xml><?xml version="1.0" encoding="utf-8"?>
-<p:sld xmlns:a="http://schemas.openxmlformats.org/drawingml/2006/main" xmlns:r="http://schemas.openxmlformats.org/officeDocument/2006/relationships" xmlns:mc="http://schemas.openxmlformats.org/markup-compatibility/2006" xmlns:mv="urn:schemas-microsoft-com:mac:vml" xmlns:p="http://schemas.openxmlformats.org/presentationml/2006/main" mc:Ignorable="mv" mc:PreserveAttributes="mv:*">
+<p:sld xmlns:a="http://schemas.openxmlformats.org/drawingml/2006/main" xmlns:r="http://schemas.openxmlformats.org/officeDocument/2006/relationships" xmlns:p="http://schemas.openxmlformats.org/presentationml/2006/main">
   <p:cSld>
     <p:spTree>
       <p:nvGrpSpPr>
@@ -4622,7 +4596,7 @@
 </file>
 
 <file path=ppt/slides/slide2.xml><?xml version="1.0" encoding="utf-8"?>
-<p:sld xmlns:a="http://schemas.openxmlformats.org/drawingml/2006/main" xmlns:r="http://schemas.openxmlformats.org/officeDocument/2006/relationships" xmlns:mc="http://schemas.openxmlformats.org/markup-compatibility/2006" xmlns:mv="urn:schemas-microsoft-com:mac:vml" xmlns:p="http://schemas.openxmlformats.org/presentationml/2006/main" mc:Ignorable="mv" mc:PreserveAttributes="mv:*">
+<p:sld xmlns:a="http://schemas.openxmlformats.org/drawingml/2006/main" xmlns:r="http://schemas.openxmlformats.org/officeDocument/2006/relationships" xmlns:p="http://schemas.openxmlformats.org/presentationml/2006/main">
   <p:cSld>
     <p:spTree>
       <p:nvGrpSpPr>
@@ -4733,7 +4707,7 @@
 </file>
 
 <file path=ppt/slides/slide3.xml><?xml version="1.0" encoding="utf-8"?>
-<p:sld xmlns:a="http://schemas.openxmlformats.org/drawingml/2006/main" xmlns:r="http://schemas.openxmlformats.org/officeDocument/2006/relationships" xmlns:mc="http://schemas.openxmlformats.org/markup-compatibility/2006" xmlns:mv="urn:schemas-microsoft-com:mac:vml" xmlns:p="http://schemas.openxmlformats.org/presentationml/2006/main" mc:Ignorable="mv" mc:PreserveAttributes="mv:*">
+<p:sld xmlns:a="http://schemas.openxmlformats.org/drawingml/2006/main" xmlns:r="http://schemas.openxmlformats.org/officeDocument/2006/relationships" xmlns:p="http://schemas.openxmlformats.org/presentationml/2006/main">
   <p:cSld>
     <p:spTree>
       <p:nvGrpSpPr>
@@ -4956,7 +4930,7 @@
 </file>
 
 <file path=ppt/slides/slide4.xml><?xml version="1.0" encoding="utf-8"?>
-<p:sld xmlns:a="http://schemas.openxmlformats.org/drawingml/2006/main" xmlns:r="http://schemas.openxmlformats.org/officeDocument/2006/relationships" xmlns:mc="http://schemas.openxmlformats.org/markup-compatibility/2006" xmlns:mv="urn:schemas-microsoft-com:mac:vml" xmlns:p="http://schemas.openxmlformats.org/presentationml/2006/main" mc:Ignorable="mv" mc:PreserveAttributes="mv:*">
+<p:sld xmlns:a="http://schemas.openxmlformats.org/drawingml/2006/main" xmlns:r="http://schemas.openxmlformats.org/officeDocument/2006/relationships" xmlns:p="http://schemas.openxmlformats.org/presentationml/2006/main">
   <p:cSld>
     <p:spTree>
       <p:nvGrpSpPr>
@@ -5113,7 +5087,7 @@
 </file>
 
 <file path=ppt/slides/slide5.xml><?xml version="1.0" encoding="utf-8"?>
-<p:sld xmlns:a="http://schemas.openxmlformats.org/drawingml/2006/main" xmlns:r="http://schemas.openxmlformats.org/officeDocument/2006/relationships" xmlns:mc="http://schemas.openxmlformats.org/markup-compatibility/2006" xmlns:mv="urn:schemas-microsoft-com:mac:vml" xmlns:p="http://schemas.openxmlformats.org/presentationml/2006/main" mc:Ignorable="mv" mc:PreserveAttributes="mv:*">
+<p:sld xmlns:a="http://schemas.openxmlformats.org/drawingml/2006/main" xmlns:r="http://schemas.openxmlformats.org/officeDocument/2006/relationships" xmlns:p="http://schemas.openxmlformats.org/presentationml/2006/main">
   <p:cSld>
     <p:spTree>
       <p:nvGrpSpPr>
@@ -5335,7 +5309,7 @@
 </file>
 
 <file path=ppt/slides/slide6.xml><?xml version="1.0" encoding="utf-8"?>
-<p:sld xmlns:a="http://schemas.openxmlformats.org/drawingml/2006/main" xmlns:r="http://schemas.openxmlformats.org/officeDocument/2006/relationships" xmlns:mc="http://schemas.openxmlformats.org/markup-compatibility/2006" xmlns:mv="urn:schemas-microsoft-com:mac:vml" xmlns:p="http://schemas.openxmlformats.org/presentationml/2006/main" mc:Ignorable="mv" mc:PreserveAttributes="mv:*">
+<p:sld xmlns:a="http://schemas.openxmlformats.org/drawingml/2006/main" xmlns:r="http://schemas.openxmlformats.org/officeDocument/2006/relationships" xmlns:p="http://schemas.openxmlformats.org/presentationml/2006/main">
   <p:cSld>
     <p:spTree>
       <p:nvGrpSpPr>
@@ -5462,7 +5436,7 @@
 </file>
 
 <file path=ppt/slides/slide7.xml><?xml version="1.0" encoding="utf-8"?>
-<p:sld xmlns:a="http://schemas.openxmlformats.org/drawingml/2006/main" xmlns:r="http://schemas.openxmlformats.org/officeDocument/2006/relationships" xmlns:mc="http://schemas.openxmlformats.org/markup-compatibility/2006" xmlns:mv="urn:schemas-microsoft-com:mac:vml" xmlns:p="http://schemas.openxmlformats.org/presentationml/2006/main" mc:Ignorable="mv" mc:PreserveAttributes="mv:*">
+<p:sld xmlns:a="http://schemas.openxmlformats.org/drawingml/2006/main" xmlns:r="http://schemas.openxmlformats.org/officeDocument/2006/relationships" xmlns:p="http://schemas.openxmlformats.org/presentationml/2006/main">
   <p:cSld>
     <p:spTree>
       <p:nvGrpSpPr>
@@ -5564,7 +5538,7 @@
 </file>
 
 <file path=ppt/slides/slide8.xml><?xml version="1.0" encoding="utf-8"?>
-<p:sld xmlns:a="http://schemas.openxmlformats.org/drawingml/2006/main" xmlns:r="http://schemas.openxmlformats.org/officeDocument/2006/relationships" xmlns:mc="http://schemas.openxmlformats.org/markup-compatibility/2006" xmlns:mv="urn:schemas-microsoft-com:mac:vml" xmlns:p="http://schemas.openxmlformats.org/presentationml/2006/main" mc:Ignorable="mv" mc:PreserveAttributes="mv:*">
+<p:sld xmlns:a="http://schemas.openxmlformats.org/drawingml/2006/main" xmlns:r="http://schemas.openxmlformats.org/officeDocument/2006/relationships" xmlns:p="http://schemas.openxmlformats.org/presentationml/2006/main">
   <p:cSld>
     <p:spTree>
       <p:nvGrpSpPr>
@@ -5765,7 +5739,7 @@
 </file>
 
 <file path=ppt/slides/slide9.xml><?xml version="1.0" encoding="utf-8"?>
-<p:sld xmlns:a="http://schemas.openxmlformats.org/drawingml/2006/main" xmlns:r="http://schemas.openxmlformats.org/officeDocument/2006/relationships" xmlns:mc="http://schemas.openxmlformats.org/markup-compatibility/2006" xmlns:mv="urn:schemas-microsoft-com:mac:vml" xmlns:p="http://schemas.openxmlformats.org/presentationml/2006/main" mc:Ignorable="mv" mc:PreserveAttributes="mv:*">
+<p:sld xmlns:a="http://schemas.openxmlformats.org/drawingml/2006/main" xmlns:r="http://schemas.openxmlformats.org/officeDocument/2006/relationships" xmlns:p="http://schemas.openxmlformats.org/presentationml/2006/main">
   <p:cSld>
     <p:spTree>
       <p:nvGrpSpPr>

--- a/doc/slides/day1/session4/introBwaSamtools.pptx
+++ b/doc/slides/day1/session4/introBwaSamtools.pptx
@@ -5,7 +5,7 @@
     <p:sldMasterId id="2147483648" r:id="rId1"/>
   </p:sldMasterIdLst>
   <p:notesMasterIdLst>
-    <p:notesMasterId r:id="rId16"/>
+    <p:notesMasterId r:id="rId15"/>
   </p:notesMasterIdLst>
   <p:sldIdLst>
     <p:sldId id="270" r:id="rId2"/>
@@ -21,7 +21,6 @@
     <p:sldId id="266" r:id="rId12"/>
     <p:sldId id="267" r:id="rId13"/>
     <p:sldId id="268" r:id="rId14"/>
-    <p:sldId id="269" r:id="rId15"/>
   </p:sldIdLst>
   <p:sldSz cx="9144000" cy="6858000" type="screen4x3"/>
   <p:notesSz cx="6858000" cy="9144000"/>
@@ -206,7 +205,7 @@
             <a:fld id="{5AB5880A-C342-1143-831E-CB91D5241AEE}" type="datetimeFigureOut">
               <a:rPr lang="en-US" smtClean="0"/>
               <a:pPr/>
-              <a:t>10/18/13</a:t>
+              <a:t>10/21/13</a:t>
             </a:fld>
             <a:endParaRPr lang="en-US"/>
           </a:p>
@@ -753,7 +752,7 @@
             <a:fld id="{31F01D4E-5470-D54A-988D-EBB274F3F401}" type="datetimeFigureOut">
               <a:rPr lang="en-US" smtClean="0"/>
               <a:pPr/>
-              <a:t>10/18/13</a:t>
+              <a:t>10/21/13</a:t>
             </a:fld>
             <a:endParaRPr lang="en-US"/>
           </a:p>
@@ -920,7 +919,7 @@
             <a:fld id="{31F01D4E-5470-D54A-988D-EBB274F3F401}" type="datetimeFigureOut">
               <a:rPr lang="en-US" smtClean="0"/>
               <a:pPr/>
-              <a:t>10/18/13</a:t>
+              <a:t>10/21/13</a:t>
             </a:fld>
             <a:endParaRPr lang="en-US"/>
           </a:p>
@@ -1097,7 +1096,7 @@
             <a:fld id="{31F01D4E-5470-D54A-988D-EBB274F3F401}" type="datetimeFigureOut">
               <a:rPr lang="en-US" smtClean="0"/>
               <a:pPr/>
-              <a:t>10/18/13</a:t>
+              <a:t>10/21/13</a:t>
             </a:fld>
             <a:endParaRPr lang="en-US"/>
           </a:p>
@@ -1264,7 +1263,7 @@
             <a:fld id="{31F01D4E-5470-D54A-988D-EBB274F3F401}" type="datetimeFigureOut">
               <a:rPr lang="en-US" smtClean="0"/>
               <a:pPr/>
-              <a:t>10/18/13</a:t>
+              <a:t>10/21/13</a:t>
             </a:fld>
             <a:endParaRPr lang="en-US"/>
           </a:p>
@@ -1507,7 +1506,7 @@
             <a:fld id="{31F01D4E-5470-D54A-988D-EBB274F3F401}" type="datetimeFigureOut">
               <a:rPr lang="en-US" smtClean="0"/>
               <a:pPr/>
-              <a:t>10/18/13</a:t>
+              <a:t>10/21/13</a:t>
             </a:fld>
             <a:endParaRPr lang="en-US"/>
           </a:p>
@@ -1792,7 +1791,7 @@
             <a:fld id="{31F01D4E-5470-D54A-988D-EBB274F3F401}" type="datetimeFigureOut">
               <a:rPr lang="en-US" smtClean="0"/>
               <a:pPr/>
-              <a:t>10/18/13</a:t>
+              <a:t>10/21/13</a:t>
             </a:fld>
             <a:endParaRPr lang="en-US"/>
           </a:p>
@@ -2211,7 +2210,7 @@
             <a:fld id="{31F01D4E-5470-D54A-988D-EBB274F3F401}" type="datetimeFigureOut">
               <a:rPr lang="en-US" smtClean="0"/>
               <a:pPr/>
-              <a:t>10/18/13</a:t>
+              <a:t>10/21/13</a:t>
             </a:fld>
             <a:endParaRPr lang="en-US"/>
           </a:p>
@@ -2326,7 +2325,7 @@
             <a:fld id="{31F01D4E-5470-D54A-988D-EBB274F3F401}" type="datetimeFigureOut">
               <a:rPr lang="en-US" smtClean="0"/>
               <a:pPr/>
-              <a:t>10/18/13</a:t>
+              <a:t>10/21/13</a:t>
             </a:fld>
             <a:endParaRPr lang="en-US"/>
           </a:p>
@@ -2418,7 +2417,7 @@
             <a:fld id="{31F01D4E-5470-D54A-988D-EBB274F3F401}" type="datetimeFigureOut">
               <a:rPr lang="en-US" smtClean="0"/>
               <a:pPr/>
-              <a:t>10/18/13</a:t>
+              <a:t>10/21/13</a:t>
             </a:fld>
             <a:endParaRPr lang="en-US"/>
           </a:p>
@@ -2692,7 +2691,7 @@
             <a:fld id="{31F01D4E-5470-D54A-988D-EBB274F3F401}" type="datetimeFigureOut">
               <a:rPr lang="en-US" smtClean="0"/>
               <a:pPr/>
-              <a:t>10/18/13</a:t>
+              <a:t>10/21/13</a:t>
             </a:fld>
             <a:endParaRPr lang="en-US"/>
           </a:p>
@@ -2942,7 +2941,7 @@
             <a:fld id="{31F01D4E-5470-D54A-988D-EBB274F3F401}" type="datetimeFigureOut">
               <a:rPr lang="en-US" smtClean="0"/>
               <a:pPr/>
-              <a:t>10/18/13</a:t>
+              <a:t>10/21/13</a:t>
             </a:fld>
             <a:endParaRPr lang="en-US"/>
           </a:p>
@@ -3152,7 +3151,7 @@
             <a:fld id="{31F01D4E-5470-D54A-988D-EBB274F3F401}" type="datetimeFigureOut">
               <a:rPr lang="en-US" smtClean="0"/>
               <a:pPr/>
-              <a:t>10/18/13</a:t>
+              <a:t>10/21/13</a:t>
             </a:fld>
             <a:endParaRPr lang="en-US"/>
           </a:p>
@@ -4172,418 +4171,11 @@
         <p:spPr/>
         <p:txBody>
           <a:bodyPr>
-            <a:normAutofit fontScale="77500" lnSpcReduction="20000"/>
+            <a:normAutofit/>
           </a:bodyPr>
           <a:lstStyle/>
           <a:p>
-            <a:r>
-              <a:rPr lang="en-US" sz="2000" dirty="0" smtClean="0"/>
-              <a:t>download Plasmodium </a:t>
-            </a:r>
-            <a:r>
-              <a:rPr lang="en-US" sz="2000" dirty="0" err="1" smtClean="0"/>
-              <a:t>falciparum</a:t>
-            </a:r>
-            <a:r>
-              <a:rPr lang="en-US" sz="2000" dirty="0" smtClean="0"/>
-              <a:t> reference genome</a:t>
-            </a:r>
-          </a:p>
-          <a:p>
-            <a:pPr lvl="1"/>
-            <a:r>
-              <a:rPr lang="en-US" sz="1200" dirty="0" smtClean="0"/>
-              <a:t>ftp </a:t>
-            </a:r>
-            <a:r>
-              <a:rPr lang="en-US" sz="1200" dirty="0" smtClean="0">
-                <a:hlinkClick r:id="rId2" action="ppaction://hlinkfile"/>
-              </a:rPr>
-              <a:t>ftp.ncbi.nih.gov</a:t>
-            </a:r>
-            <a:r>
-              <a:rPr lang="en-US" sz="1200" dirty="0" smtClean="0"/>
-              <a:t> (user anonymous, password your email)</a:t>
-            </a:r>
-          </a:p>
-          <a:p>
-            <a:pPr lvl="1"/>
-            <a:r>
-              <a:rPr lang="en-US" sz="1200" dirty="0" err="1" smtClean="0"/>
-              <a:t>cd</a:t>
-            </a:r>
-            <a:r>
-              <a:rPr lang="en-US" sz="1200" dirty="0" smtClean="0"/>
-              <a:t> genomes/</a:t>
-            </a:r>
-            <a:r>
-              <a:rPr lang="en-US" sz="1200" dirty="0" err="1" smtClean="0"/>
-              <a:t>Plasmodium_falciparum_OLD</a:t>
-            </a:r>
-            <a:endParaRPr lang="en-US" sz="1200" dirty="0" smtClean="0"/>
-          </a:p>
-          <a:p>
-            <a:pPr lvl="1"/>
-            <a:r>
-              <a:rPr lang="en-US" sz="1200" dirty="0" err="1" smtClean="0"/>
-              <a:t>ls</a:t>
-            </a:r>
-            <a:endParaRPr lang="en-US" sz="1200" dirty="0" smtClean="0"/>
-          </a:p>
-          <a:p>
-            <a:pPr lvl="1"/>
-            <a:r>
-              <a:rPr lang="en-US" sz="1200" dirty="0" err="1" smtClean="0"/>
-              <a:t>cd</a:t>
-            </a:r>
-            <a:r>
-              <a:rPr lang="en-US" sz="1200" dirty="0" smtClean="0"/>
-              <a:t> CHR1</a:t>
-            </a:r>
-          </a:p>
-          <a:p>
-            <a:pPr lvl="1"/>
-            <a:r>
-              <a:rPr lang="en-US" sz="1200" dirty="0" err="1" smtClean="0"/>
-              <a:t>ls</a:t>
-            </a:r>
-            <a:r>
-              <a:rPr lang="en-US" sz="1200" dirty="0" smtClean="0"/>
-              <a:t> *</a:t>
-            </a:r>
-            <a:r>
-              <a:rPr lang="en-US" sz="1200" dirty="0" err="1" smtClean="0"/>
-              <a:t>fna</a:t>
-            </a:r>
-            <a:endParaRPr lang="en-US" sz="1200" dirty="0" smtClean="0"/>
-          </a:p>
-          <a:p>
-            <a:pPr lvl="1"/>
-            <a:r>
-              <a:rPr lang="en-US" sz="1200" dirty="0" smtClean="0"/>
-              <a:t>copy/paste the </a:t>
-            </a:r>
-            <a:r>
-              <a:rPr lang="en-US" sz="1200" dirty="0" err="1" smtClean="0"/>
-              <a:t>fna</a:t>
-            </a:r>
-            <a:r>
-              <a:rPr lang="en-US" sz="1200" dirty="0" smtClean="0"/>
-              <a:t> filename into get FILENAME</a:t>
-            </a:r>
-          </a:p>
-          <a:p>
-            <a:pPr lvl="1"/>
-            <a:r>
-              <a:rPr lang="en-US" sz="1200" dirty="0" err="1" smtClean="0"/>
-              <a:t>cd</a:t>
-            </a:r>
-            <a:r>
-              <a:rPr lang="en-US" sz="1200" dirty="0" smtClean="0"/>
-              <a:t> ..</a:t>
-            </a:r>
-          </a:p>
-          <a:p>
-            <a:pPr lvl="1"/>
-            <a:r>
-              <a:rPr lang="en-US" sz="1200" dirty="0" smtClean="0"/>
-              <a:t>repeat for all other chromosomes</a:t>
-            </a:r>
-          </a:p>
-          <a:p>
-            <a:pPr lvl="1"/>
-            <a:r>
-              <a:rPr lang="en-US" sz="1200" dirty="0" smtClean="0"/>
-              <a:t>quit</a:t>
-            </a:r>
-          </a:p>
-          <a:p>
-            <a:pPr lvl="1"/>
-            <a:r>
-              <a:rPr lang="en-US" sz="1200" dirty="0" smtClean="0"/>
-              <a:t>cat *</a:t>
-            </a:r>
-            <a:r>
-              <a:rPr lang="en-US" sz="1200" dirty="0" err="1" smtClean="0"/>
-              <a:t>fna</a:t>
-            </a:r>
-            <a:r>
-              <a:rPr lang="en-US" sz="1200" dirty="0" smtClean="0"/>
-              <a:t> | </a:t>
-            </a:r>
-            <a:r>
-              <a:rPr lang="en-US" sz="1200" dirty="0" err="1" smtClean="0"/>
-              <a:t>perl</a:t>
-            </a:r>
-            <a:r>
-              <a:rPr lang="en-US" sz="1200" dirty="0" smtClean="0"/>
-              <a:t> -pi -</a:t>
-            </a:r>
-            <a:r>
-              <a:rPr lang="en-US" sz="1200" dirty="0" err="1" smtClean="0"/>
-              <a:t>e</a:t>
-            </a:r>
-            <a:r>
-              <a:rPr lang="en-US" sz="1200" dirty="0" smtClean="0"/>
-              <a:t> '</a:t>
-            </a:r>
-            <a:r>
-              <a:rPr lang="en-US" sz="1200" dirty="0" err="1" smtClean="0"/>
-              <a:t>s</a:t>
-            </a:r>
-            <a:r>
-              <a:rPr lang="en-US" sz="1200" dirty="0" smtClean="0"/>
-              <a:t>/^\&gt;</a:t>
-            </a:r>
-            <a:r>
-              <a:rPr lang="en-US" sz="1200" dirty="0" err="1" smtClean="0"/>
-              <a:t>gi</a:t>
-            </a:r>
-            <a:r>
-              <a:rPr lang="en-US" sz="1200" dirty="0" smtClean="0"/>
-              <a:t>.*chromosome\</a:t>
-            </a:r>
-            <a:r>
-              <a:rPr lang="en-US" sz="1200" dirty="0" err="1" smtClean="0"/>
-              <a:t>s(\d</a:t>
-            </a:r>
-            <a:r>
-              <a:rPr lang="en-US" sz="1200" dirty="0" smtClean="0"/>
-              <a:t>+).*/\&gt;chr$1/g' &gt;&gt; </a:t>
-            </a:r>
-            <a:r>
-              <a:rPr lang="en-US" sz="1200" dirty="0" err="1" smtClean="0"/>
-              <a:t>Plasmodium_falciparum_OLD.fa</a:t>
-            </a:r>
-            <a:endParaRPr lang="en-US" sz="1200" dirty="0" smtClean="0"/>
-          </a:p>
-          <a:p>
-            <a:pPr lvl="1"/>
-            <a:r>
-              <a:rPr lang="en-US" sz="1200" dirty="0" err="1" smtClean="0"/>
-              <a:t>rm</a:t>
-            </a:r>
-            <a:r>
-              <a:rPr lang="en-US" sz="1200" dirty="0" smtClean="0"/>
-              <a:t> *.</a:t>
-            </a:r>
-            <a:r>
-              <a:rPr lang="en-US" sz="1200" dirty="0" err="1" smtClean="0"/>
-              <a:t>fna</a:t>
-            </a:r>
-            <a:endParaRPr lang="en-US" sz="1200" dirty="0" smtClean="0"/>
-          </a:p>
-          <a:p>
-            <a:r>
-              <a:rPr lang="en-US" sz="2000" dirty="0" err="1" smtClean="0"/>
-              <a:t>bwa</a:t>
-            </a:r>
-            <a:r>
-              <a:rPr lang="en-US" sz="2000" dirty="0" smtClean="0"/>
-              <a:t> index </a:t>
-            </a:r>
-            <a:r>
-              <a:rPr lang="en-US" sz="2000" dirty="0" err="1" smtClean="0"/>
-              <a:t>Plasmodium_falciparu_OLD.fa</a:t>
-            </a:r>
-            <a:endParaRPr lang="en-US" sz="2000" dirty="0" smtClean="0"/>
-          </a:p>
-          <a:p>
-            <a:r>
-              <a:rPr lang="en-US" sz="2000" dirty="0" smtClean="0"/>
-              <a:t>download P. </a:t>
-            </a:r>
-            <a:r>
-              <a:rPr lang="en-US" sz="2000" dirty="0" err="1" smtClean="0"/>
-              <a:t>falciparum</a:t>
-            </a:r>
-            <a:r>
-              <a:rPr lang="en-US" sz="2000" dirty="0" smtClean="0"/>
-              <a:t> experiment Paired Sample raw </a:t>
-            </a:r>
-            <a:r>
-              <a:rPr lang="en-US" sz="2000" dirty="0" err="1" smtClean="0"/>
-              <a:t>fastq</a:t>
-            </a:r>
-            <a:r>
-              <a:rPr lang="en-US" sz="2000" dirty="0" smtClean="0"/>
-              <a:t> files</a:t>
-            </a:r>
-          </a:p>
-          <a:p>
-            <a:pPr lvl="1"/>
-            <a:r>
-              <a:rPr lang="en-US" sz="1400" dirty="0" smtClean="0"/>
-              <a:t>ftp </a:t>
-            </a:r>
-            <a:r>
-              <a:rPr lang="en-US" sz="1400" dirty="0" smtClean="0">
-                <a:hlinkClick r:id="rId3" action="ppaction://hlinkfile"/>
-              </a:rPr>
-              <a:t>ftp.sra.ebi.ac.uk</a:t>
-            </a:r>
-            <a:r>
-              <a:rPr lang="en-US" sz="1400" dirty="0" smtClean="0"/>
-              <a:t> (user anonymous, password your email)</a:t>
-            </a:r>
-          </a:p>
-          <a:p>
-            <a:pPr lvl="1"/>
-            <a:r>
-              <a:rPr lang="en-US" sz="1400" dirty="0" err="1" smtClean="0"/>
-              <a:t>cd</a:t>
-            </a:r>
-            <a:r>
-              <a:rPr lang="en-US" sz="1400" dirty="0" smtClean="0"/>
-              <a:t> vol1/fastq/ERR022/ERR022523</a:t>
-            </a:r>
-          </a:p>
-          <a:p>
-            <a:pPr lvl="1"/>
-            <a:r>
-              <a:rPr lang="en-US" sz="1400" dirty="0" smtClean="0"/>
-              <a:t>get ERR022523_1.fastq.gz</a:t>
-            </a:r>
-          </a:p>
-          <a:p>
-            <a:pPr lvl="1"/>
-            <a:r>
-              <a:rPr lang="en-US" sz="1400" dirty="0" smtClean="0"/>
-              <a:t>get ERR022523_2.fastq.gz</a:t>
-            </a:r>
-          </a:p>
-          <a:p>
-            <a:pPr lvl="1"/>
-            <a:r>
-              <a:rPr lang="en-US" sz="1400" dirty="0" smtClean="0"/>
-              <a:t>quit</a:t>
-            </a:r>
-          </a:p>
-          <a:p>
-            <a:pPr lvl="1"/>
-            <a:r>
-              <a:rPr lang="en-US" sz="1400" dirty="0" err="1" smtClean="0"/>
-              <a:t>gunzip</a:t>
-            </a:r>
-            <a:r>
-              <a:rPr lang="en-US" sz="1400" dirty="0" smtClean="0"/>
-              <a:t> ERR022523_1.fastq.gz</a:t>
-            </a:r>
-          </a:p>
-          <a:p>
-            <a:pPr lvl="1"/>
-            <a:r>
-              <a:rPr lang="en-US" sz="1400" dirty="0" err="1" smtClean="0"/>
-              <a:t>gunzip</a:t>
-            </a:r>
-            <a:r>
-              <a:rPr lang="en-US" sz="1400" dirty="0" smtClean="0"/>
-              <a:t> ERR022523_2.fastq.gz</a:t>
-            </a:r>
-          </a:p>
-          <a:p>
-            <a:r>
-              <a:rPr lang="en-US" sz="2000" dirty="0" smtClean="0"/>
-              <a:t>align ERR022523_1.fastq against </a:t>
-            </a:r>
-            <a:r>
-              <a:rPr lang="en-US" sz="2000" dirty="0" err="1" smtClean="0"/>
-              <a:t>Plasmodium_falciparum_OLD.fa</a:t>
-            </a:r>
-            <a:endParaRPr lang="en-US" sz="2000" dirty="0" smtClean="0"/>
-          </a:p>
-          <a:p>
-            <a:r>
-              <a:rPr lang="en-US" sz="2000" dirty="0" smtClean="0"/>
-              <a:t>align ERR022523_2.fastq against </a:t>
-            </a:r>
-            <a:r>
-              <a:rPr lang="en-US" sz="2000" dirty="0" err="1" smtClean="0"/>
-              <a:t>Plasmodium_falciparum_OLD.fa</a:t>
-            </a:r>
-            <a:endParaRPr lang="en-US" sz="2000" dirty="0" smtClean="0"/>
-          </a:p>
-          <a:p>
-            <a:r>
-              <a:rPr lang="en-US" sz="2000" dirty="0" smtClean="0"/>
-              <a:t>generate a sorted bam alignment output file</a:t>
-            </a:r>
             <a:endParaRPr lang="en-US" sz="2000" dirty="0"/>
-          </a:p>
-        </p:txBody>
-      </p:sp>
-    </p:spTree>
-  </p:cSld>
-  <p:clrMapOvr>
-    <a:masterClrMapping/>
-  </p:clrMapOvr>
-</p:sld>
-</file>
-
-<file path=ppt/slides/slide14.xml><?xml version="1.0" encoding="utf-8"?>
-<p:sld xmlns:a="http://schemas.openxmlformats.org/drawingml/2006/main" xmlns:r="http://schemas.openxmlformats.org/officeDocument/2006/relationships" xmlns:p="http://schemas.openxmlformats.org/presentationml/2006/main">
-  <p:cSld>
-    <p:spTree>
-      <p:nvGrpSpPr>
-        <p:cNvPr id="1" name=""/>
-        <p:cNvGrpSpPr/>
-        <p:nvPr/>
-      </p:nvGrpSpPr>
-      <p:grpSpPr>
-        <a:xfrm>
-          <a:off x="0" y="0"/>
-          <a:ext cx="0" cy="0"/>
-          <a:chOff x="0" y="0"/>
-          <a:chExt cx="0" cy="0"/>
-        </a:xfrm>
-      </p:grpSpPr>
-      <p:sp>
-        <p:nvSpPr>
-          <p:cNvPr id="2" name="Title 1"/>
-          <p:cNvSpPr>
-            <a:spLocks noGrp="1"/>
-          </p:cNvSpPr>
-          <p:nvPr>
-            <p:ph type="title"/>
-          </p:nvPr>
-        </p:nvSpPr>
-        <p:spPr/>
-        <p:txBody>
-          <a:bodyPr/>
-          <a:lstStyle/>
-          <a:p>
-            <a:r>
-              <a:rPr lang="en-US" dirty="0" smtClean="0"/>
-              <a:t>Scripting is easier</a:t>
-            </a:r>
-            <a:endParaRPr lang="en-US" dirty="0"/>
-          </a:p>
-        </p:txBody>
-      </p:sp>
-      <p:sp>
-        <p:nvSpPr>
-          <p:cNvPr id="3" name="Content Placeholder 2"/>
-          <p:cNvSpPr>
-            <a:spLocks noGrp="1"/>
-          </p:cNvSpPr>
-          <p:nvPr>
-            <p:ph idx="1"/>
-          </p:nvPr>
-        </p:nvSpPr>
-        <p:spPr/>
-        <p:txBody>
-          <a:bodyPr/>
-          <a:lstStyle/>
-          <a:p>
-            <a:r>
-              <a:rPr lang="en-US" dirty="0" err="1" smtClean="0"/>
-              <a:t>src</a:t>
-            </a:r>
-            <a:r>
-              <a:rPr lang="en-US" smtClean="0"/>
-              <a:t>/Plasmodium.sh</a:t>
-            </a:r>
-            <a:endParaRPr lang="en-US"/>
           </a:p>
         </p:txBody>
       </p:sp>
@@ -5805,7 +5397,15 @@
             </a:r>
             <a:r>
               <a:rPr lang="en-US" sz="2400" dirty="0" smtClean="0"/>
-              <a:t> sort automatically appends .bam to the string you provide in the second argument (this trips many people up when the see </a:t>
+              <a:t> sort automatically appends .bam to the string you provide in the second argument (this trips many people up when </a:t>
+            </a:r>
+            <a:r>
+              <a:rPr lang="en-US" sz="2400" dirty="0" smtClean="0"/>
+              <a:t>they </a:t>
+            </a:r>
+            <a:r>
+              <a:rPr lang="en-US" sz="2400" dirty="0" smtClean="0"/>
+              <a:t>see </a:t>
             </a:r>
             <a:r>
               <a:rPr lang="en-US" sz="2400" dirty="0" err="1" smtClean="0"/>

--- a/doc/slides/day1/session4/introBwaSamtools.pptx
+++ b/doc/slides/day1/session4/introBwaSamtools.pptx
@@ -4171,10 +4171,308 @@
         <p:spPr/>
         <p:txBody>
           <a:bodyPr>
-            <a:normAutofit/>
+            <a:normAutofit fontScale="85000" lnSpcReduction="10000"/>
           </a:bodyPr>
           <a:lstStyle/>
           <a:p>
+            <a:pPr marL="457200" indent="-457200">
+              <a:buFont typeface="+mj-lt"/>
+              <a:buAutoNum type="arabicPeriod"/>
+            </a:pPr>
+            <a:r>
+              <a:rPr lang="en-US" sz="2000" dirty="0" smtClean="0"/>
+              <a:t>Create a </a:t>
+            </a:r>
+            <a:r>
+              <a:rPr lang="en-US" sz="2000" dirty="0" err="1" smtClean="0"/>
+              <a:t>bwa_alignment</a:t>
+            </a:r>
+            <a:r>
+              <a:rPr lang="en-US" sz="2000" dirty="0" smtClean="0"/>
+              <a:t> directory in your home directory and cd into it</a:t>
+            </a:r>
+          </a:p>
+          <a:p>
+            <a:pPr marL="457200" indent="-457200">
+              <a:buFont typeface="+mj-lt"/>
+              <a:buAutoNum type="arabicPeriod"/>
+            </a:pPr>
+            <a:r>
+              <a:rPr lang="en-US" sz="2000" dirty="0" err="1" smtClean="0"/>
+              <a:t>cp</a:t>
+            </a:r>
+            <a:r>
+              <a:rPr lang="en-US" sz="2000" dirty="0" smtClean="0"/>
+              <a:t>/</a:t>
+            </a:r>
+            <a:r>
+              <a:rPr lang="en-US" sz="2000" dirty="0" err="1" smtClean="0"/>
+              <a:t>gds</a:t>
+            </a:r>
+            <a:r>
+              <a:rPr lang="en-US" sz="2000" dirty="0" smtClean="0"/>
+              <a:t>/</a:t>
+            </a:r>
+            <a:r>
+              <a:rPr lang="en-US" sz="2000" dirty="0" err="1" smtClean="0"/>
+              <a:t>To_Participants</a:t>
+            </a:r>
+            <a:r>
+              <a:rPr lang="en-US" sz="2000" dirty="0" smtClean="0"/>
+              <a:t>/ARANGS/ITAG2_3_genomic.fasta.gz .</a:t>
+            </a:r>
+          </a:p>
+          <a:p>
+            <a:pPr marL="457200" indent="-457200">
+              <a:buFont typeface="+mj-lt"/>
+              <a:buAutoNum type="arabicPeriod"/>
+            </a:pPr>
+            <a:r>
+              <a:rPr lang="en-US" sz="2000" dirty="0" err="1"/>
+              <a:t>g</a:t>
+            </a:r>
+            <a:r>
+              <a:rPr lang="en-US" sz="2000" dirty="0" err="1" smtClean="0"/>
+              <a:t>unzip</a:t>
+            </a:r>
+            <a:r>
+              <a:rPr lang="en-US" sz="2000" dirty="0" smtClean="0"/>
+              <a:t> ITAG2_3_genomic.fasta.gz</a:t>
+            </a:r>
+          </a:p>
+          <a:p>
+            <a:pPr marL="457200" indent="-457200">
+              <a:buFont typeface="+mj-lt"/>
+              <a:buAutoNum type="arabicPeriod"/>
+            </a:pPr>
+            <a:r>
+              <a:rPr lang="en-US" sz="2000" dirty="0" smtClean="0"/>
+              <a:t>Use </a:t>
+            </a:r>
+            <a:r>
+              <a:rPr lang="en-US" sz="2000" dirty="0" err="1" smtClean="0"/>
+              <a:t>bwa</a:t>
+            </a:r>
+            <a:r>
+              <a:rPr lang="en-US" sz="2000" dirty="0" smtClean="0"/>
+              <a:t> to index ITAG2_3_genomic.fasta (what size is it?)</a:t>
+            </a:r>
+          </a:p>
+          <a:p>
+            <a:pPr marL="457200" indent="-457200">
+              <a:buFont typeface="+mj-lt"/>
+              <a:buAutoNum type="arabicPeriod"/>
+            </a:pPr>
+            <a:r>
+              <a:rPr lang="en-US" sz="2000" dirty="0" err="1" smtClean="0"/>
+              <a:t>cp</a:t>
+            </a:r>
+            <a:r>
+              <a:rPr lang="en-US" sz="2000" dirty="0" smtClean="0"/>
+              <a:t> /</a:t>
+            </a:r>
+            <a:r>
+              <a:rPr lang="en-US" sz="2000" dirty="0" err="1" smtClean="0"/>
+              <a:t>gds</a:t>
+            </a:r>
+            <a:r>
+              <a:rPr lang="en-US" sz="2000" dirty="0" smtClean="0"/>
+              <a:t>/</a:t>
+            </a:r>
+            <a:r>
+              <a:rPr lang="en-US" sz="2000" dirty="0" err="1" smtClean="0"/>
+              <a:t>To_Participants</a:t>
+            </a:r>
+            <a:r>
+              <a:rPr lang="en-US" sz="2000" dirty="0" smtClean="0"/>
+              <a:t>/ARANGS/1-U0015717_GTGGCC_L005_R1_001.fastq.gz .</a:t>
+            </a:r>
+          </a:p>
+          <a:p>
+            <a:pPr marL="457200" indent="-457200">
+              <a:buFont typeface="+mj-lt"/>
+              <a:buAutoNum type="arabicPeriod"/>
+            </a:pPr>
+            <a:r>
+              <a:rPr lang="en-US" sz="2000" dirty="0" err="1"/>
+              <a:t>cp</a:t>
+            </a:r>
+            <a:r>
+              <a:rPr lang="en-US" sz="2000" dirty="0"/>
+              <a:t> /</a:t>
+            </a:r>
+            <a:r>
+              <a:rPr lang="en-US" sz="2000" dirty="0" err="1"/>
+              <a:t>gds</a:t>
+            </a:r>
+            <a:r>
+              <a:rPr lang="en-US" sz="2000" dirty="0"/>
+              <a:t>/</a:t>
+            </a:r>
+            <a:r>
+              <a:rPr lang="en-US" sz="2000" dirty="0" err="1"/>
+              <a:t>To_Participants</a:t>
+            </a:r>
+            <a:r>
+              <a:rPr lang="en-US" sz="2000" dirty="0"/>
+              <a:t>/ARANGS/1-</a:t>
+            </a:r>
+            <a:r>
+              <a:rPr lang="en-US" sz="2000" dirty="0" smtClean="0"/>
+              <a:t>U0015717_GTGGCC_L005_R2_001</a:t>
+            </a:r>
+            <a:r>
+              <a:rPr lang="en-US" sz="2000" dirty="0"/>
+              <a:t>.fastq.gz .</a:t>
+            </a:r>
+          </a:p>
+          <a:p>
+            <a:pPr marL="457200" indent="-457200">
+              <a:buFont typeface="+mj-lt"/>
+              <a:buAutoNum type="arabicPeriod"/>
+            </a:pPr>
+            <a:r>
+              <a:rPr lang="en-US" sz="2000" dirty="0" err="1" smtClean="0"/>
+              <a:t>Gunzip</a:t>
+            </a:r>
+            <a:r>
+              <a:rPr lang="en-US" sz="2000" dirty="0" smtClean="0"/>
+              <a:t> both the above</a:t>
+            </a:r>
+          </a:p>
+          <a:p>
+            <a:pPr marL="457200" indent="-457200">
+              <a:buFont typeface="+mj-lt"/>
+              <a:buAutoNum type="arabicPeriod"/>
+            </a:pPr>
+            <a:r>
+              <a:rPr lang="en-US" sz="2000" dirty="0" smtClean="0"/>
+              <a:t>Align R1 against ITAG2_3_genomic.fasta to produce an R1 </a:t>
+            </a:r>
+            <a:r>
+              <a:rPr lang="en-US" sz="2000" dirty="0" err="1" smtClean="0"/>
+              <a:t>sai</a:t>
+            </a:r>
+            <a:r>
+              <a:rPr lang="en-US" sz="2000" dirty="0" smtClean="0"/>
+              <a:t> file (hint, use the original filename, minus ‘.</a:t>
+            </a:r>
+            <a:r>
+              <a:rPr lang="en-US" sz="2000" dirty="0" err="1" smtClean="0"/>
+              <a:t>fastq</a:t>
+            </a:r>
+            <a:r>
+              <a:rPr lang="en-US" sz="2000" dirty="0" smtClean="0"/>
+              <a:t>’, plus ‘.</a:t>
+            </a:r>
+            <a:r>
+              <a:rPr lang="en-US" sz="2000" dirty="0" err="1" smtClean="0"/>
+              <a:t>sai</a:t>
+            </a:r>
+            <a:r>
+              <a:rPr lang="en-US" sz="2000" dirty="0" smtClean="0"/>
+              <a:t>’ as the output filename)</a:t>
+            </a:r>
+          </a:p>
+          <a:p>
+            <a:pPr marL="457200" indent="-457200">
+              <a:buFont typeface="+mj-lt"/>
+              <a:buAutoNum type="arabicPeriod"/>
+            </a:pPr>
+            <a:r>
+              <a:rPr lang="en-US" sz="2000" dirty="0" smtClean="0"/>
+              <a:t>Repeat with R2</a:t>
+            </a:r>
+          </a:p>
+          <a:p>
+            <a:pPr marL="457200" indent="-457200">
+              <a:buFont typeface="+mj-lt"/>
+              <a:buAutoNum type="arabicPeriod"/>
+            </a:pPr>
+            <a:r>
+              <a:rPr lang="en-US" sz="2000" dirty="0" smtClean="0"/>
+              <a:t>Use </a:t>
+            </a:r>
+            <a:r>
+              <a:rPr lang="en-US" sz="2000" dirty="0" err="1" smtClean="0"/>
+              <a:t>bwa</a:t>
+            </a:r>
+            <a:r>
+              <a:rPr lang="en-US" sz="2000" dirty="0" smtClean="0"/>
+              <a:t> to produce a </a:t>
+            </a:r>
+            <a:r>
+              <a:rPr lang="en-US" sz="2000" dirty="0" err="1" smtClean="0"/>
+              <a:t>sam</a:t>
+            </a:r>
+            <a:r>
+              <a:rPr lang="en-US" sz="2000" dirty="0" smtClean="0"/>
+              <a:t> file from the reference, R1 and R2 </a:t>
+            </a:r>
+            <a:r>
+              <a:rPr lang="en-US" sz="2000" dirty="0" err="1" smtClean="0"/>
+              <a:t>fastq</a:t>
+            </a:r>
+            <a:r>
+              <a:rPr lang="en-US" sz="2000" dirty="0" smtClean="0"/>
+              <a:t>, and </a:t>
+            </a:r>
+            <a:r>
+              <a:rPr lang="en-US" sz="2000" dirty="0" err="1" smtClean="0"/>
+              <a:t>sai</a:t>
+            </a:r>
+            <a:r>
+              <a:rPr lang="en-US" sz="2000" dirty="0" smtClean="0"/>
+              <a:t> files</a:t>
+            </a:r>
+          </a:p>
+          <a:p>
+            <a:pPr marL="457200" indent="-457200">
+              <a:buFont typeface="+mj-lt"/>
+              <a:buAutoNum type="arabicPeriod"/>
+            </a:pPr>
+            <a:r>
+              <a:rPr lang="en-US" sz="2000" dirty="0" smtClean="0"/>
+              <a:t>Use </a:t>
+            </a:r>
+            <a:r>
+              <a:rPr lang="en-US" sz="2000" dirty="0" err="1" smtClean="0"/>
+              <a:t>samtools</a:t>
+            </a:r>
+            <a:r>
+              <a:rPr lang="en-US" sz="2000" dirty="0" smtClean="0"/>
+              <a:t> to produce a sorted bam file from the </a:t>
+            </a:r>
+            <a:r>
+              <a:rPr lang="en-US" sz="2000" dirty="0" err="1" smtClean="0"/>
+              <a:t>sam</a:t>
+            </a:r>
+            <a:r>
+              <a:rPr lang="en-US" sz="2000" dirty="0" smtClean="0"/>
+              <a:t> file (this may take more than one step)</a:t>
+            </a:r>
+          </a:p>
+          <a:p>
+            <a:pPr marL="457200" indent="-457200">
+              <a:buFont typeface="+mj-lt"/>
+              <a:buAutoNum type="arabicPeriod"/>
+            </a:pPr>
+            <a:r>
+              <a:rPr lang="en-US" sz="2000" dirty="0" smtClean="0"/>
+              <a:t>Extra credit, see if you can pipe the STDOUT of exercise 10 right into </a:t>
+            </a:r>
+            <a:r>
+              <a:rPr lang="en-US" sz="2000" dirty="0" err="1" smtClean="0"/>
+              <a:t>samtools</a:t>
+            </a:r>
+            <a:r>
+              <a:rPr lang="en-US" sz="2000" dirty="0" smtClean="0"/>
+              <a:t> to produce a bam file, or even a sorted </a:t>
+            </a:r>
+            <a:r>
+              <a:rPr lang="en-US" sz="2000" smtClean="0"/>
+              <a:t>bam file</a:t>
+            </a:r>
             <a:endParaRPr lang="en-US" sz="2000" dirty="0"/>
           </a:p>
         </p:txBody>
@@ -5397,15 +5695,7 @@
             </a:r>
             <a:r>
               <a:rPr lang="en-US" sz="2400" dirty="0" smtClean="0"/>
-              <a:t> sort automatically appends .bam to the string you provide in the second argument (this trips many people up when </a:t>
-            </a:r>
-            <a:r>
-              <a:rPr lang="en-US" sz="2400" dirty="0" smtClean="0"/>
-              <a:t>they </a:t>
-            </a:r>
-            <a:r>
-              <a:rPr lang="en-US" sz="2400" dirty="0" smtClean="0"/>
-              <a:t>see </a:t>
+              <a:t> sort automatically appends .bam to the string you provide in the second argument (this trips many people up when they see </a:t>
             </a:r>
             <a:r>
               <a:rPr lang="en-US" sz="2400" dirty="0" err="1" smtClean="0"/>

--- a/doc/slides/day1/session4/introBwaSamtools.pptx
+++ b/doc/slides/day1/session4/introBwaSamtools.pptx
@@ -4171,7 +4171,7 @@
         <p:spPr/>
         <p:txBody>
           <a:bodyPr>
-            <a:normAutofit fontScale="85000" lnSpcReduction="10000"/>
+            <a:normAutofit fontScale="92500" lnSpcReduction="20000"/>
           </a:bodyPr>
           <a:lstStyle/>
           <a:p>
@@ -4198,8 +4198,20 @@
               <a:buAutoNum type="arabicPeriod"/>
             </a:pPr>
             <a:r>
+              <a:rPr lang="en-US" sz="2000" dirty="0" err="1"/>
+              <a:t>c</a:t>
+            </a:r>
+            <a:r>
               <a:rPr lang="en-US" sz="2000" dirty="0" err="1" smtClean="0"/>
-              <a:t>cp</a:t>
+              <a:t>p</a:t>
+            </a:r>
+            <a:r>
+              <a:rPr lang="en-US" sz="2000" dirty="0" smtClean="0"/>
+              <a:t> /</a:t>
+            </a:r>
+            <a:r>
+              <a:rPr lang="en-US" sz="2000" dirty="0" err="1" smtClean="0"/>
+              <a:t>gsd</a:t>
             </a:r>
             <a:r>
               <a:rPr lang="en-US" sz="2000" dirty="0" smtClean="0"/>
@@ -4207,19 +4219,19 @@
             </a:r>
             <a:r>
               <a:rPr lang="en-US" sz="2000" dirty="0" err="1" smtClean="0"/>
-              <a:t>gds</a:t>
+              <a:t>To_Participants</a:t>
             </a:r>
             <a:r>
               <a:rPr lang="en-US" sz="2000" dirty="0" smtClean="0"/>
               <a:t>/</a:t>
             </a:r>
             <a:r>
-              <a:rPr lang="en-US" sz="2000" dirty="0" err="1" smtClean="0"/>
-              <a:t>To_Participants</a:t>
-            </a:r>
-            <a:r>
               <a:rPr lang="en-US" sz="2000" dirty="0" smtClean="0"/>
-              <a:t>/ARANGS/ITAG2_3_genomic.fasta.gz .</a:t>
+              <a:t>ARANGS13/</a:t>
+            </a:r>
+            <a:r>
+              <a:rPr lang="en-US" sz="2000" dirty="0" smtClean="0"/>
+              <a:t>ITAG2_3_genomic.fasta.gz .</a:t>
             </a:r>
           </a:p>
           <a:p>
@@ -4228,16 +4240,16 @@
               <a:buAutoNum type="arabicPeriod"/>
             </a:pPr>
             <a:r>
-              <a:rPr lang="en-US" sz="2000" dirty="0" err="1"/>
-              <a:t>g</a:t>
+              <a:rPr lang="en-US" sz="2000" dirty="0" smtClean="0"/>
+              <a:t>Use </a:t>
             </a:r>
             <a:r>
               <a:rPr lang="en-US" sz="2000" dirty="0" err="1" smtClean="0"/>
-              <a:t>unzip</a:t>
+              <a:t>bwa</a:t>
             </a:r>
             <a:r>
               <a:rPr lang="en-US" sz="2000" dirty="0" smtClean="0"/>
-              <a:t> ITAG2_3_genomic.fasta.gz</a:t>
+              <a:t> to index ITAG2_3_genomic.fasta (what size is it?)</a:t>
             </a:r>
           </a:p>
           <a:p>
@@ -4246,16 +4258,28 @@
               <a:buAutoNum type="arabicPeriod"/>
             </a:pPr>
             <a:r>
+              <a:rPr lang="en-US" sz="2000" dirty="0" err="1" smtClean="0"/>
+              <a:t>cp</a:t>
+            </a:r>
+            <a:r>
               <a:rPr lang="en-US" sz="2000" dirty="0" smtClean="0"/>
-              <a:t>Use </a:t>
+              <a:t> /</a:t>
             </a:r>
             <a:r>
               <a:rPr lang="en-US" sz="2000" dirty="0" err="1" smtClean="0"/>
-              <a:t>bwa</a:t>
+              <a:t>gds</a:t>
             </a:r>
             <a:r>
               <a:rPr lang="en-US" sz="2000" dirty="0" smtClean="0"/>
-              <a:t> to index ITAG2_3_genomic.fasta (what size is it?)</a:t>
+              <a:t>/</a:t>
+            </a:r>
+            <a:r>
+              <a:rPr lang="en-US" sz="2000" dirty="0" err="1" smtClean="0"/>
+              <a:t>To_Participants</a:t>
+            </a:r>
+            <a:r>
+              <a:rPr lang="en-US" sz="2000" dirty="0" smtClean="0"/>
+              <a:t>/ARANGS/1-U0015717_GTGGCC_L005_R1_001.fastq.gz .</a:t>
             </a:r>
           </a:p>
           <a:p>
@@ -4264,28 +4288,36 @@
               <a:buAutoNum type="arabicPeriod"/>
             </a:pPr>
             <a:r>
-              <a:rPr lang="en-US" sz="2000" dirty="0" err="1" smtClean="0"/>
+              <a:rPr lang="en-US" sz="2000" dirty="0" err="1"/>
               <a:t>cp</a:t>
             </a:r>
             <a:r>
+              <a:rPr lang="en-US" sz="2000" dirty="0"/>
+              <a:t> /</a:t>
+            </a:r>
+            <a:r>
+              <a:rPr lang="en-US" sz="2000" dirty="0" err="1"/>
+              <a:t>gds</a:t>
+            </a:r>
+            <a:r>
+              <a:rPr lang="en-US" sz="2000" dirty="0"/>
+              <a:t>/</a:t>
+            </a:r>
+            <a:r>
+              <a:rPr lang="en-US" sz="2000" dirty="0" err="1"/>
+              <a:t>To_Participants</a:t>
+            </a:r>
+            <a:r>
+              <a:rPr lang="en-US" sz="2000" dirty="0"/>
+              <a:t>/ARANGS/1-</a:t>
+            </a:r>
+            <a:r>
               <a:rPr lang="en-US" sz="2000" dirty="0" smtClean="0"/>
-              <a:t> /</a:t>
-            </a:r>
-            <a:r>
-              <a:rPr lang="en-US" sz="2000" dirty="0" err="1" smtClean="0"/>
-              <a:t>gds</a:t>
-            </a:r>
-            <a:r>
-              <a:rPr lang="en-US" sz="2000" dirty="0" smtClean="0"/>
-              <a:t>/</a:t>
-            </a:r>
-            <a:r>
-              <a:rPr lang="en-US" sz="2000" dirty="0" err="1" smtClean="0"/>
-              <a:t>To_Participants</a:t>
-            </a:r>
-            <a:r>
-              <a:rPr lang="en-US" sz="2000" dirty="0" smtClean="0"/>
-              <a:t>/ARANGS/1-U0015717_GTGGCC_L005_R1_001.fastq.gz .</a:t>
+              <a:t>U0015717_GTGGCC_L005_R2_001</a:t>
+            </a:r>
+            <a:r>
+              <a:rPr lang="en-US" sz="2000" dirty="0"/>
+              <a:t>.fastq.gz .</a:t>
             </a:r>
           </a:p>
           <a:p>
@@ -4294,36 +4326,36 @@
               <a:buAutoNum type="arabicPeriod"/>
             </a:pPr>
             <a:r>
-              <a:rPr lang="en-US" sz="2000" dirty="0" err="1"/>
-              <a:t>cp</a:t>
-            </a:r>
-            <a:r>
-              <a:rPr lang="en-US" sz="2000" dirty="0"/>
-              <a:t> /</a:t>
-            </a:r>
-            <a:r>
-              <a:rPr lang="en-US" sz="2000" dirty="0" err="1"/>
-              <a:t>gds</a:t>
-            </a:r>
-            <a:r>
-              <a:rPr lang="en-US" sz="2000" dirty="0"/>
-              <a:t>/</a:t>
-            </a:r>
-            <a:r>
-              <a:rPr lang="en-US" sz="2000" dirty="0" err="1"/>
-              <a:t>To_Participants</a:t>
-            </a:r>
-            <a:r>
-              <a:rPr lang="en-US" sz="2000" dirty="0"/>
-              <a:t>/ARANGS/1-</a:t>
-            </a:r>
-            <a:r>
               <a:rPr lang="en-US" sz="2000" dirty="0" smtClean="0"/>
-              <a:t>U0015717_GTGGCC_L005_R2_001</a:t>
-            </a:r>
-            <a:r>
-              <a:rPr lang="en-US" sz="2000" dirty="0"/>
-              <a:t>.fastq.gz .</a:t>
+              <a:t>Align </a:t>
+            </a:r>
+            <a:r>
+              <a:rPr lang="en-US" sz="2000" dirty="0" smtClean="0"/>
+              <a:t>R1 against ITAG2_3_genomic.fasta to produce an R1 </a:t>
+            </a:r>
+            <a:r>
+              <a:rPr lang="en-US" sz="2000" dirty="0" err="1" smtClean="0"/>
+              <a:t>sai</a:t>
+            </a:r>
+            <a:r>
+              <a:rPr lang="en-US" sz="2000" dirty="0" smtClean="0"/>
+              <a:t> file (hint, use the original filename, minus ‘.</a:t>
+            </a:r>
+            <a:r>
+              <a:rPr lang="en-US" sz="2000" dirty="0" err="1" smtClean="0"/>
+              <a:t>fastq</a:t>
+            </a:r>
+            <a:r>
+              <a:rPr lang="en-US" sz="2000" dirty="0" smtClean="0"/>
+              <a:t>’, plus ‘.</a:t>
+            </a:r>
+            <a:r>
+              <a:rPr lang="en-US" sz="2000" dirty="0" err="1" smtClean="0"/>
+              <a:t>sai</a:t>
+            </a:r>
+            <a:r>
+              <a:rPr lang="en-US" sz="2000" dirty="0" smtClean="0"/>
+              <a:t>’ as the output filename)</a:t>
             </a:r>
           </a:p>
           <a:p>
@@ -4332,12 +4364,8 @@
               <a:buAutoNum type="arabicPeriod"/>
             </a:pPr>
             <a:r>
-              <a:rPr lang="en-US" sz="2000" dirty="0" err="1" smtClean="0"/>
-              <a:t>Gunzip</a:t>
-            </a:r>
-            <a:r>
               <a:rPr lang="en-US" sz="2000" dirty="0" smtClean="0"/>
-              <a:t> both the above</a:t>
+              <a:t>Repeat with R2</a:t>
             </a:r>
           </a:p>
           <a:p>
@@ -4347,7 +4375,31 @@
             </a:pPr>
             <a:r>
               <a:rPr lang="en-US" sz="2000" dirty="0" smtClean="0"/>
-              <a:t>Align R1 against ITAG2_3_genomic.fasta to produce an R1 </a:t>
+              <a:t>Use </a:t>
+            </a:r>
+            <a:r>
+              <a:rPr lang="en-US" sz="2000" dirty="0" err="1" smtClean="0"/>
+              <a:t>bwa</a:t>
+            </a:r>
+            <a:r>
+              <a:rPr lang="en-US" sz="2000" dirty="0" smtClean="0"/>
+              <a:t> to produce a </a:t>
+            </a:r>
+            <a:r>
+              <a:rPr lang="en-US" sz="2000" dirty="0" err="1" smtClean="0"/>
+              <a:t>sam</a:t>
+            </a:r>
+            <a:r>
+              <a:rPr lang="en-US" sz="2000" dirty="0" smtClean="0"/>
+              <a:t> file from the reference, R1 and R2 </a:t>
+            </a:r>
+            <a:r>
+              <a:rPr lang="en-US" sz="2000" dirty="0" err="1" smtClean="0"/>
+              <a:t>fastq</a:t>
+            </a:r>
+            <a:r>
+              <a:rPr lang="en-US" sz="2000" dirty="0" smtClean="0"/>
+              <a:t>, and </a:t>
             </a:r>
             <a:r>
               <a:rPr lang="en-US" sz="2000" dirty="0" err="1" smtClean="0"/>
@@ -4355,23 +4407,7 @@
             </a:r>
             <a:r>
               <a:rPr lang="en-US" sz="2000" dirty="0" smtClean="0"/>
-              <a:t> file (hint, use the original filename, minus ‘.</a:t>
-            </a:r>
-            <a:r>
-              <a:rPr lang="en-US" sz="2000" dirty="0" err="1" smtClean="0"/>
-              <a:t>fastq</a:t>
-            </a:r>
-            <a:r>
-              <a:rPr lang="en-US" sz="2000" dirty="0" smtClean="0"/>
-              <a:t>’, plus ‘.</a:t>
-            </a:r>
-            <a:r>
-              <a:rPr lang="en-US" sz="2000" dirty="0" err="1" smtClean="0"/>
-              <a:t>sai</a:t>
-            </a:r>
-            <a:r>
-              <a:rPr lang="en-US" sz="2000" dirty="0" smtClean="0"/>
-              <a:t>’ as the output filename)</a:t>
+              <a:t> files</a:t>
             </a:r>
           </a:p>
           <a:p>
@@ -4381,7 +4417,23 @@
             </a:pPr>
             <a:r>
               <a:rPr lang="en-US" sz="2000" dirty="0" smtClean="0"/>
-              <a:t>Repeat with R2</a:t>
+              <a:t>Use </a:t>
+            </a:r>
+            <a:r>
+              <a:rPr lang="en-US" sz="2000" dirty="0" err="1" smtClean="0"/>
+              <a:t>samtools</a:t>
+            </a:r>
+            <a:r>
+              <a:rPr lang="en-US" sz="2000" dirty="0" smtClean="0"/>
+              <a:t> to produce a sorted bam file from the </a:t>
+            </a:r>
+            <a:r>
+              <a:rPr lang="en-US" sz="2000" dirty="0" err="1" smtClean="0"/>
+              <a:t>sam</a:t>
+            </a:r>
+            <a:r>
+              <a:rPr lang="en-US" sz="2000" dirty="0" smtClean="0"/>
+              <a:t> file (this may take more than one step)</a:t>
             </a:r>
           </a:p>
           <a:p>
@@ -4391,49 +4443,19 @@
             </a:pPr>
             <a:r>
               <a:rPr lang="en-US" sz="2000" dirty="0" smtClean="0"/>
-              <a:t>Use </a:t>
-            </a:r>
-            <a:r>
-              <a:rPr lang="en-US" sz="2000" dirty="0" err="1" smtClean="0"/>
-              <a:t>bwa</a:t>
+              <a:t>Extra credit, see if you can pipe the STDOUT of exercise </a:t>
+            </a:r>
+            <a:r>
+              <a:rPr lang="en-US" sz="2000" dirty="0"/>
+              <a:t>8</a:t>
             </a:r>
             <a:r>
               <a:rPr lang="en-US" sz="2000" dirty="0" smtClean="0"/>
-              <a:t> to produce a </a:t>
-            </a:r>
-            <a:r>
-              <a:rPr lang="en-US" sz="2000" dirty="0" err="1" smtClean="0"/>
-              <a:t>sam</a:t>
+              <a:t> </a:t>
             </a:r>
             <a:r>
               <a:rPr lang="en-US" sz="2000" dirty="0" smtClean="0"/>
-              <a:t> file from the reference, R1 and R2 </a:t>
-            </a:r>
-            <a:r>
-              <a:rPr lang="en-US" sz="2000" dirty="0" err="1" smtClean="0"/>
-              <a:t>fastq</a:t>
-            </a:r>
-            <a:r>
-              <a:rPr lang="en-US" sz="2000" dirty="0" smtClean="0"/>
-              <a:t>, and </a:t>
-            </a:r>
-            <a:r>
-              <a:rPr lang="en-US" sz="2000" dirty="0" err="1" smtClean="0"/>
-              <a:t>sai</a:t>
-            </a:r>
-            <a:r>
-              <a:rPr lang="en-US" sz="2000" dirty="0" smtClean="0"/>
-              <a:t> files</a:t>
-            </a:r>
-          </a:p>
-          <a:p>
-            <a:pPr marL="457200" indent="-457200">
-              <a:buFont typeface="+mj-lt"/>
-              <a:buAutoNum type="arabicPeriod"/>
-            </a:pPr>
-            <a:r>
-              <a:rPr lang="en-US" sz="2000" dirty="0" smtClean="0"/>
-              <a:t>Use </a:t>
+              <a:t>right into </a:t>
             </a:r>
             <a:r>
               <a:rPr lang="en-US" sz="2000" dirty="0" err="1" smtClean="0"/>
@@ -4441,37 +4463,7 @@
             </a:r>
             <a:r>
               <a:rPr lang="en-US" sz="2000" dirty="0" smtClean="0"/>
-              <a:t> to produce a sorted bam file from the </a:t>
-            </a:r>
-            <a:r>
-              <a:rPr lang="en-US" sz="2000" dirty="0" err="1" smtClean="0"/>
-              <a:t>sam</a:t>
-            </a:r>
-            <a:r>
-              <a:rPr lang="en-US" sz="2000" dirty="0" smtClean="0"/>
-              <a:t> file (this may take more than one step)</a:t>
-            </a:r>
-          </a:p>
-          <a:p>
-            <a:pPr marL="457200" indent="-457200">
-              <a:buFont typeface="+mj-lt"/>
-              <a:buAutoNum type="arabicPeriod"/>
-            </a:pPr>
-            <a:r>
-              <a:rPr lang="en-US" sz="2000" dirty="0" smtClean="0"/>
-              <a:t>Extra credit, see if you can pipe the STDOUT of exercise 10 right into </a:t>
-            </a:r>
-            <a:r>
-              <a:rPr lang="en-US" sz="2000" dirty="0" err="1" smtClean="0"/>
-              <a:t>samtools</a:t>
-            </a:r>
-            <a:r>
-              <a:rPr lang="en-US" sz="2000" dirty="0" smtClean="0"/>
-              <a:t> to produce a bam file, or even a sorted </a:t>
-            </a:r>
-            <a:r>
-              <a:rPr lang="en-US" sz="2000" smtClean="0"/>
-              <a:t>bam file</a:t>
+              <a:t> to produce a bam file, or even a sorted bam file</a:t>
             </a:r>
             <a:endParaRPr lang="en-US" sz="2000" dirty="0"/>
           </a:p>
